--- a/Figures/figure_04.pptx
+++ b/Figures/figure_04.pptx
@@ -115,7 +115,7 @@
 <file path=ppt/revisionInfo.xml><?xml version="1.0" encoding="utf-8"?>
 <p1510:revInfo xmlns:a="http://schemas.openxmlformats.org/drawingml/2006/main" xmlns:r="http://schemas.openxmlformats.org/officeDocument/2006/relationships" xmlns:p1510="http://schemas.microsoft.com/office/powerpoint/2015/10/main">
   <p1510:revLst>
-    <p1510:client id="{E4DC28E1-2B7F-4A2D-B628-0A5234296B66}" v="2" dt="2025-05-13T20:57:00.196"/>
+    <p1510:client id="{5D43B1FD-858F-475C-B266-63FB45020388}" v="7" dt="2025-07-01T18:51:29.047"/>
   </p1510:revLst>
 </p1510:revInfo>
 </file>
@@ -215,30 +215,118 @@
             <ac:spMk id="33" creationId="{F0FB004E-AAB3-C478-27D2-D4CBDD4FBE01}"/>
           </ac:spMkLst>
         </pc:spChg>
-        <pc:picChg chg="add mod ord">
-          <ac:chgData name="Gilbert, Neil" userId="37be9f5c-8f28-415b-96d6-624acf93bb3f" providerId="ADAL" clId="{E4DC28E1-2B7F-4A2D-B628-0A5234296B66}" dt="2025-05-13T20:57:06.810" v="39" actId="167"/>
+      </pc:sldChg>
+    </pc:docChg>
+  </pc:docChgLst>
+  <pc:docChgLst>
+    <pc:chgData name="Gilbert, Neil" userId="37be9f5c-8f28-415b-96d6-624acf93bb3f" providerId="ADAL" clId="{5D43B1FD-858F-475C-B266-63FB45020388}"/>
+    <pc:docChg chg="undo custSel modSld">
+      <pc:chgData name="Gilbert, Neil" userId="37be9f5c-8f28-415b-96d6-624acf93bb3f" providerId="ADAL" clId="{5D43B1FD-858F-475C-B266-63FB45020388}" dt="2025-07-01T18:52:07.804" v="128" actId="167"/>
+      <pc:docMkLst>
+        <pc:docMk/>
+      </pc:docMkLst>
+      <pc:sldChg chg="addSp delSp modSp mod">
+        <pc:chgData name="Gilbert, Neil" userId="37be9f5c-8f28-415b-96d6-624acf93bb3f" providerId="ADAL" clId="{5D43B1FD-858F-475C-B266-63FB45020388}" dt="2025-07-01T18:52:07.804" v="128" actId="167"/>
+        <pc:sldMkLst>
+          <pc:docMk/>
+          <pc:sldMk cId="3411422184" sldId="256"/>
+        </pc:sldMkLst>
+        <pc:spChg chg="add del mod">
+          <ac:chgData name="Gilbert, Neil" userId="37be9f5c-8f28-415b-96d6-624acf93bb3f" providerId="ADAL" clId="{5D43B1FD-858F-475C-B266-63FB45020388}" dt="2025-07-01T18:40:48.708" v="56" actId="478"/>
+          <ac:spMkLst>
+            <pc:docMk/>
+            <pc:sldMk cId="3411422184" sldId="256"/>
+            <ac:spMk id="5" creationId="{6D1C5A46-3C34-018B-FF29-CFEFDACBFFC1}"/>
+          </ac:spMkLst>
+        </pc:spChg>
+        <pc:spChg chg="add mod">
+          <ac:chgData name="Gilbert, Neil" userId="37be9f5c-8f28-415b-96d6-624acf93bb3f" providerId="ADAL" clId="{5D43B1FD-858F-475C-B266-63FB45020388}" dt="2025-07-01T18:51:14.826" v="121" actId="1076"/>
+          <ac:spMkLst>
+            <pc:docMk/>
+            <pc:sldMk cId="3411422184" sldId="256"/>
+            <ac:spMk id="6" creationId="{709202D5-C0C0-FB99-EE08-C858E942C32C}"/>
+          </ac:spMkLst>
+        </pc:spChg>
+        <pc:spChg chg="add mod">
+          <ac:chgData name="Gilbert, Neil" userId="37be9f5c-8f28-415b-96d6-624acf93bb3f" providerId="ADAL" clId="{5D43B1FD-858F-475C-B266-63FB45020388}" dt="2025-07-01T18:51:19.003" v="122" actId="1076"/>
+          <ac:spMkLst>
+            <pc:docMk/>
+            <pc:sldMk cId="3411422184" sldId="256"/>
+            <ac:spMk id="10" creationId="{CA5A5ED4-3C30-2148-6C6B-D7E69C06ED60}"/>
+          </ac:spMkLst>
+        </pc:spChg>
+        <pc:spChg chg="ord">
+          <ac:chgData name="Gilbert, Neil" userId="37be9f5c-8f28-415b-96d6-624acf93bb3f" providerId="ADAL" clId="{5D43B1FD-858F-475C-B266-63FB45020388}" dt="2025-07-01T18:52:05.115" v="127" actId="167"/>
+          <ac:spMkLst>
+            <pc:docMk/>
+            <pc:sldMk cId="3411422184" sldId="256"/>
+            <ac:spMk id="16" creationId="{8D5C18B7-1B00-AC44-6F31-D85289AE6910}"/>
+          </ac:spMkLst>
+        </pc:spChg>
+        <pc:spChg chg="ord">
+          <ac:chgData name="Gilbert, Neil" userId="37be9f5c-8f28-415b-96d6-624acf93bb3f" providerId="ADAL" clId="{5D43B1FD-858F-475C-B266-63FB45020388}" dt="2025-07-01T18:52:07.804" v="128" actId="167"/>
+          <ac:spMkLst>
+            <pc:docMk/>
+            <pc:sldMk cId="3411422184" sldId="256"/>
+            <ac:spMk id="17" creationId="{7F3DF354-F6C1-F8E8-FB22-95A098F47E6C}"/>
+          </ac:spMkLst>
+        </pc:spChg>
+        <pc:spChg chg="mod">
+          <ac:chgData name="Gilbert, Neil" userId="37be9f5c-8f28-415b-96d6-624acf93bb3f" providerId="ADAL" clId="{5D43B1FD-858F-475C-B266-63FB45020388}" dt="2025-07-01T18:49:49.951" v="108" actId="1076"/>
+          <ac:spMkLst>
+            <pc:docMk/>
+            <pc:sldMk cId="3411422184" sldId="256"/>
+            <ac:spMk id="25" creationId="{0D5128A7-5675-D462-D8A6-29EA6D3F8432}"/>
+          </ac:spMkLst>
+        </pc:spChg>
+        <pc:picChg chg="del">
+          <ac:chgData name="Gilbert, Neil" userId="37be9f5c-8f28-415b-96d6-624acf93bb3f" providerId="ADAL" clId="{5D43B1FD-858F-475C-B266-63FB45020388}" dt="2025-07-01T18:36:48.627" v="0" actId="478"/>
           <ac:picMkLst>
             <pc:docMk/>
             <pc:sldMk cId="3411422184" sldId="256"/>
             <ac:picMk id="3" creationId="{783BB44D-F64D-41DC-C512-5E83C0F59051}"/>
           </ac:picMkLst>
         </pc:picChg>
-        <pc:picChg chg="del">
-          <ac:chgData name="Gilbert, Neil" userId="37be9f5c-8f28-415b-96d6-624acf93bb3f" providerId="ADAL" clId="{E4DC28E1-2B7F-4A2D-B628-0A5234296B66}" dt="2025-05-13T15:01:54.728" v="0" actId="478"/>
+        <pc:picChg chg="add del mod ord">
+          <ac:chgData name="Gilbert, Neil" userId="37be9f5c-8f28-415b-96d6-624acf93bb3f" providerId="ADAL" clId="{5D43B1FD-858F-475C-B266-63FB45020388}" dt="2025-07-01T18:49:31.892" v="103" actId="478"/>
           <ac:picMkLst>
             <pc:docMk/>
             <pc:sldMk cId="3411422184" sldId="256"/>
-            <ac:picMk id="19" creationId="{4E155548-6E65-A9EA-E523-41FFC01DDA44}"/>
+            <ac:picMk id="3" creationId="{BEACC303-8E8C-74AF-08B3-3181C38B505D}"/>
           </ac:picMkLst>
         </pc:picChg>
         <pc:picChg chg="add del mod ord">
-          <ac:chgData name="Gilbert, Neil" userId="37be9f5c-8f28-415b-96d6-624acf93bb3f" providerId="ADAL" clId="{E4DC28E1-2B7F-4A2D-B628-0A5234296B66}" dt="2025-05-13T20:56:50.650" v="35" actId="478"/>
+          <ac:chgData name="Gilbert, Neil" userId="37be9f5c-8f28-415b-96d6-624acf93bb3f" providerId="ADAL" clId="{5D43B1FD-858F-475C-B266-63FB45020388}" dt="2025-07-01T18:40:42.609" v="51" actId="478"/>
           <ac:picMkLst>
             <pc:docMk/>
             <pc:sldMk cId="3411422184" sldId="256"/>
-            <ac:picMk id="40" creationId="{97B13BC0-6130-AE89-6EFF-F7860FB82601}"/>
+            <ac:picMk id="4" creationId="{1A6EA450-7485-45CC-255A-9288C72A52D2}"/>
           </ac:picMkLst>
         </pc:picChg>
+        <pc:picChg chg="add mod ord">
+          <ac:chgData name="Gilbert, Neil" userId="37be9f5c-8f28-415b-96d6-624acf93bb3f" providerId="ADAL" clId="{5D43B1FD-858F-475C-B266-63FB45020388}" dt="2025-07-01T18:49:43.855" v="107" actId="167"/>
+          <ac:picMkLst>
+            <pc:docMk/>
+            <pc:sldMk cId="3411422184" sldId="256"/>
+            <ac:picMk id="12" creationId="{2F0575EA-F876-B35B-FFDF-125758C2C97A}"/>
+          </ac:picMkLst>
+        </pc:picChg>
+        <pc:cxnChg chg="add mod">
+          <ac:chgData name="Gilbert, Neil" userId="37be9f5c-8f28-415b-96d6-624acf93bb3f" providerId="ADAL" clId="{5D43B1FD-858F-475C-B266-63FB45020388}" dt="2025-07-01T18:45:56.532" v="86" actId="692"/>
+          <ac:cxnSpMkLst>
+            <pc:docMk/>
+            <pc:sldMk cId="3411422184" sldId="256"/>
+            <ac:cxnSpMk id="8" creationId="{4348662E-1ED8-9654-EE9D-C4B498F7DDB8}"/>
+          </ac:cxnSpMkLst>
+        </pc:cxnChg>
+        <pc:cxnChg chg="add mod">
+          <ac:chgData name="Gilbert, Neil" userId="37be9f5c-8f28-415b-96d6-624acf93bb3f" providerId="ADAL" clId="{5D43B1FD-858F-475C-B266-63FB45020388}" dt="2025-07-01T18:51:42.838" v="126" actId="14100"/>
+          <ac:cxnSpMkLst>
+            <pc:docMk/>
+            <pc:sldMk cId="3411422184" sldId="256"/>
+            <ac:cxnSpMk id="13" creationId="{C7B3B9C4-D2F9-DD4F-E9F8-C2F0631851C4}"/>
+          </ac:cxnSpMkLst>
+        </pc:cxnChg>
       </pc:sldChg>
     </pc:docChg>
   </pc:docChgLst>
@@ -376,7 +464,7 @@
           <a:p>
             <a:fld id="{9C263D12-3D85-4112-B404-6DA9A76AD2B0}" type="datetimeFigureOut">
               <a:rPr lang="en-US" smtClean="0"/>
-              <a:t>5/13/2025</a:t>
+              <a:t>7/1/2025</a:t>
             </a:fld>
             <a:endParaRPr lang="en-US"/>
           </a:p>
@@ -546,7 +634,7 @@
           <a:p>
             <a:fld id="{9C263D12-3D85-4112-B404-6DA9A76AD2B0}" type="datetimeFigureOut">
               <a:rPr lang="en-US" smtClean="0"/>
-              <a:t>5/13/2025</a:t>
+              <a:t>7/1/2025</a:t>
             </a:fld>
             <a:endParaRPr lang="en-US"/>
           </a:p>
@@ -726,7 +814,7 @@
           <a:p>
             <a:fld id="{9C263D12-3D85-4112-B404-6DA9A76AD2B0}" type="datetimeFigureOut">
               <a:rPr lang="en-US" smtClean="0"/>
-              <a:t>5/13/2025</a:t>
+              <a:t>7/1/2025</a:t>
             </a:fld>
             <a:endParaRPr lang="en-US"/>
           </a:p>
@@ -896,7 +984,7 @@
           <a:p>
             <a:fld id="{9C263D12-3D85-4112-B404-6DA9A76AD2B0}" type="datetimeFigureOut">
               <a:rPr lang="en-US" smtClean="0"/>
-              <a:t>5/13/2025</a:t>
+              <a:t>7/1/2025</a:t>
             </a:fld>
             <a:endParaRPr lang="en-US"/>
           </a:p>
@@ -1142,7 +1230,7 @@
           <a:p>
             <a:fld id="{9C263D12-3D85-4112-B404-6DA9A76AD2B0}" type="datetimeFigureOut">
               <a:rPr lang="en-US" smtClean="0"/>
-              <a:t>5/13/2025</a:t>
+              <a:t>7/1/2025</a:t>
             </a:fld>
             <a:endParaRPr lang="en-US"/>
           </a:p>
@@ -1374,7 +1462,7 @@
           <a:p>
             <a:fld id="{9C263D12-3D85-4112-B404-6DA9A76AD2B0}" type="datetimeFigureOut">
               <a:rPr lang="en-US" smtClean="0"/>
-              <a:t>5/13/2025</a:t>
+              <a:t>7/1/2025</a:t>
             </a:fld>
             <a:endParaRPr lang="en-US"/>
           </a:p>
@@ -1741,7 +1829,7 @@
           <a:p>
             <a:fld id="{9C263D12-3D85-4112-B404-6DA9A76AD2B0}" type="datetimeFigureOut">
               <a:rPr lang="en-US" smtClean="0"/>
-              <a:t>5/13/2025</a:t>
+              <a:t>7/1/2025</a:t>
             </a:fld>
             <a:endParaRPr lang="en-US"/>
           </a:p>
@@ -1859,7 +1947,7 @@
           <a:p>
             <a:fld id="{9C263D12-3D85-4112-B404-6DA9A76AD2B0}" type="datetimeFigureOut">
               <a:rPr lang="en-US" smtClean="0"/>
-              <a:t>5/13/2025</a:t>
+              <a:t>7/1/2025</a:t>
             </a:fld>
             <a:endParaRPr lang="en-US"/>
           </a:p>
@@ -1954,7 +2042,7 @@
           <a:p>
             <a:fld id="{9C263D12-3D85-4112-B404-6DA9A76AD2B0}" type="datetimeFigureOut">
               <a:rPr lang="en-US" smtClean="0"/>
-              <a:t>5/13/2025</a:t>
+              <a:t>7/1/2025</a:t>
             </a:fld>
             <a:endParaRPr lang="en-US"/>
           </a:p>
@@ -2231,7 +2319,7 @@
           <a:p>
             <a:fld id="{9C263D12-3D85-4112-B404-6DA9A76AD2B0}" type="datetimeFigureOut">
               <a:rPr lang="en-US" smtClean="0"/>
-              <a:t>5/13/2025</a:t>
+              <a:t>7/1/2025</a:t>
             </a:fld>
             <a:endParaRPr lang="en-US"/>
           </a:p>
@@ -2488,7 +2576,7 @@
           <a:p>
             <a:fld id="{9C263D12-3D85-4112-B404-6DA9A76AD2B0}" type="datetimeFigureOut">
               <a:rPr lang="en-US" smtClean="0"/>
-              <a:t>5/13/2025</a:t>
+              <a:t>7/1/2025</a:t>
             </a:fld>
             <a:endParaRPr lang="en-US"/>
           </a:p>
@@ -2701,7 +2789,7 @@
           <a:p>
             <a:fld id="{9C263D12-3D85-4112-B404-6DA9A76AD2B0}" type="datetimeFigureOut">
               <a:rPr lang="en-US" smtClean="0"/>
-              <a:t>5/13/2025</a:t>
+              <a:t>7/1/2025</a:t>
             </a:fld>
             <a:endParaRPr lang="en-US"/>
           </a:p>
@@ -3240,10 +3328,10 @@
       </p:sp>
       <p:pic>
         <p:nvPicPr>
-          <p:cNvPr id="3" name="Picture 2" descr="A screenshot of a video game&#10;&#10;AI-generated content may be incorrect.">
+          <p:cNvPr id="12" name="Picture 11" descr="A screenshot of a computer screen&#10;&#10;AI-generated content may be incorrect.">
             <a:extLst>
               <a:ext uri="{FF2B5EF4-FFF2-40B4-BE49-F238E27FC236}">
-                <a16:creationId xmlns:a16="http://schemas.microsoft.com/office/drawing/2014/main" id="{783BB44D-F64D-41DC-C512-5E83C0F59051}"/>
+                <a16:creationId xmlns:a16="http://schemas.microsoft.com/office/drawing/2014/main" id="{2F0575EA-F876-B35B-FFDF-125758C2C97A}"/>
               </a:ext>
             </a:extLst>
           </p:cNvPr>
@@ -3591,7 +3679,7 @@
         </p:nvSpPr>
         <p:spPr>
           <a:xfrm>
-            <a:off x="2878136" y="334566"/>
+            <a:off x="2967037" y="334566"/>
             <a:ext cx="883443" cy="103584"/>
           </a:xfrm>
           <a:prstGeom prst="rect">
@@ -4276,6 +4364,224 @@
           </a:p>
         </p:txBody>
       </p:sp>
+      <p:sp>
+        <p:nvSpPr>
+          <p:cNvPr id="6" name="Rectangle 5">
+            <a:extLst>
+              <a:ext uri="{FF2B5EF4-FFF2-40B4-BE49-F238E27FC236}">
+                <a16:creationId xmlns:a16="http://schemas.microsoft.com/office/drawing/2014/main" id="{709202D5-C0C0-FB99-EE08-C858E942C32C}"/>
+              </a:ext>
+            </a:extLst>
+          </p:cNvPr>
+          <p:cNvSpPr/>
+          <p:nvPr/>
+        </p:nvSpPr>
+        <p:spPr>
+          <a:xfrm rot="5400000">
+            <a:off x="2669380" y="1124184"/>
+            <a:ext cx="595313" cy="109728"/>
+          </a:xfrm>
+          <a:prstGeom prst="rect">
+            <a:avLst/>
+          </a:prstGeom>
+          <a:noFill/>
+          <a:ln>
+            <a:noFill/>
+          </a:ln>
+        </p:spPr>
+        <p:style>
+          <a:lnRef idx="2">
+            <a:schemeClr val="accent1">
+              <a:shade val="15000"/>
+            </a:schemeClr>
+          </a:lnRef>
+          <a:fillRef idx="1">
+            <a:schemeClr val="accent1"/>
+          </a:fillRef>
+          <a:effectRef idx="0">
+            <a:schemeClr val="accent1"/>
+          </a:effectRef>
+          <a:fontRef idx="minor">
+            <a:schemeClr val="lt1"/>
+          </a:fontRef>
+        </p:style>
+        <p:txBody>
+          <a:bodyPr lIns="0" rIns="0" rtlCol="0" anchor="ctr"/>
+          <a:lstStyle/>
+          <a:p>
+            <a:pPr algn="ctr"/>
+            <a:r>
+              <a:rPr lang="en-US" sz="800" i="1" dirty="0">
+                <a:solidFill>
+                  <a:schemeClr val="tx1">
+                    <a:lumMod val="65000"/>
+                    <a:lumOff val="35000"/>
+                  </a:schemeClr>
+                </a:solidFill>
+                <a:latin typeface="Arial" panose="020B0604020202020204" pitchFamily="34" charset="0"/>
+                <a:cs typeface="Arial" panose="020B0604020202020204" pitchFamily="34" charset="0"/>
+              </a:rPr>
+              <a:t>suppress</a:t>
+            </a:r>
+          </a:p>
+        </p:txBody>
+      </p:sp>
+      <p:cxnSp>
+        <p:nvCxnSpPr>
+          <p:cNvPr id="8" name="Straight Arrow Connector 7">
+            <a:extLst>
+              <a:ext uri="{FF2B5EF4-FFF2-40B4-BE49-F238E27FC236}">
+                <a16:creationId xmlns:a16="http://schemas.microsoft.com/office/drawing/2014/main" id="{4348662E-1ED8-9654-EE9D-C4B498F7DDB8}"/>
+              </a:ext>
+            </a:extLst>
+          </p:cNvPr>
+          <p:cNvCxnSpPr>
+            <a:cxnSpLocks/>
+          </p:cNvCxnSpPr>
+          <p:nvPr/>
+        </p:nvCxnSpPr>
+        <p:spPr>
+          <a:xfrm>
+            <a:off x="2878136" y="954881"/>
+            <a:ext cx="0" cy="752475"/>
+          </a:xfrm>
+          <a:prstGeom prst="straightConnector1">
+            <a:avLst/>
+          </a:prstGeom>
+          <a:ln>
+            <a:solidFill>
+              <a:schemeClr val="tx1">
+                <a:lumMod val="65000"/>
+                <a:lumOff val="35000"/>
+              </a:schemeClr>
+            </a:solidFill>
+            <a:tailEnd type="triangle"/>
+          </a:ln>
+        </p:spPr>
+        <p:style>
+          <a:lnRef idx="2">
+            <a:schemeClr val="accent1"/>
+          </a:lnRef>
+          <a:fillRef idx="0">
+            <a:schemeClr val="accent1"/>
+          </a:fillRef>
+          <a:effectRef idx="1">
+            <a:schemeClr val="accent1"/>
+          </a:effectRef>
+          <a:fontRef idx="minor">
+            <a:schemeClr val="tx1"/>
+          </a:fontRef>
+        </p:style>
+      </p:cxnSp>
+      <p:sp>
+        <p:nvSpPr>
+          <p:cNvPr id="10" name="Rectangle 9">
+            <a:extLst>
+              <a:ext uri="{FF2B5EF4-FFF2-40B4-BE49-F238E27FC236}">
+                <a16:creationId xmlns:a16="http://schemas.microsoft.com/office/drawing/2014/main" id="{CA5A5ED4-3C30-2148-6C6B-D7E69C06ED60}"/>
+              </a:ext>
+            </a:extLst>
+          </p:cNvPr>
+          <p:cNvSpPr/>
+          <p:nvPr/>
+        </p:nvSpPr>
+        <p:spPr>
+          <a:xfrm rot="5400000">
+            <a:off x="2755932" y="628242"/>
+            <a:ext cx="422207" cy="109728"/>
+          </a:xfrm>
+          <a:prstGeom prst="rect">
+            <a:avLst/>
+          </a:prstGeom>
+          <a:noFill/>
+          <a:ln>
+            <a:noFill/>
+          </a:ln>
+        </p:spPr>
+        <p:style>
+          <a:lnRef idx="2">
+            <a:schemeClr val="accent1">
+              <a:shade val="15000"/>
+            </a:schemeClr>
+          </a:lnRef>
+          <a:fillRef idx="1">
+            <a:schemeClr val="accent1"/>
+          </a:fillRef>
+          <a:effectRef idx="0">
+            <a:schemeClr val="accent1"/>
+          </a:effectRef>
+          <a:fontRef idx="minor">
+            <a:schemeClr val="lt1"/>
+          </a:fontRef>
+        </p:style>
+        <p:txBody>
+          <a:bodyPr lIns="0" rIns="0" rtlCol="0" anchor="ctr"/>
+          <a:lstStyle/>
+          <a:p>
+            <a:pPr algn="ctr"/>
+            <a:r>
+              <a:rPr lang="en-US" sz="800" i="1" dirty="0">
+                <a:solidFill>
+                  <a:schemeClr val="tx1">
+                    <a:lumMod val="65000"/>
+                    <a:lumOff val="35000"/>
+                  </a:schemeClr>
+                </a:solidFill>
+                <a:latin typeface="Arial" panose="020B0604020202020204" pitchFamily="34" charset="0"/>
+                <a:cs typeface="Arial" panose="020B0604020202020204" pitchFamily="34" charset="0"/>
+              </a:rPr>
+              <a:t>promote</a:t>
+            </a:r>
+          </a:p>
+        </p:txBody>
+      </p:sp>
+      <p:cxnSp>
+        <p:nvCxnSpPr>
+          <p:cNvPr id="13" name="Straight Arrow Connector 12">
+            <a:extLst>
+              <a:ext uri="{FF2B5EF4-FFF2-40B4-BE49-F238E27FC236}">
+                <a16:creationId xmlns:a16="http://schemas.microsoft.com/office/drawing/2014/main" id="{C7B3B9C4-D2F9-DD4F-E9F8-C2F0631851C4}"/>
+              </a:ext>
+            </a:extLst>
+          </p:cNvPr>
+          <p:cNvCxnSpPr>
+            <a:cxnSpLocks/>
+          </p:cNvCxnSpPr>
+          <p:nvPr/>
+        </p:nvCxnSpPr>
+        <p:spPr>
+          <a:xfrm flipV="1">
+            <a:off x="2878136" y="364331"/>
+            <a:ext cx="0" cy="512846"/>
+          </a:xfrm>
+          <a:prstGeom prst="straightConnector1">
+            <a:avLst/>
+          </a:prstGeom>
+          <a:ln>
+            <a:solidFill>
+              <a:schemeClr val="tx1">
+                <a:lumMod val="65000"/>
+                <a:lumOff val="35000"/>
+              </a:schemeClr>
+            </a:solidFill>
+            <a:tailEnd type="triangle"/>
+          </a:ln>
+        </p:spPr>
+        <p:style>
+          <a:lnRef idx="2">
+            <a:schemeClr val="accent1"/>
+          </a:lnRef>
+          <a:fillRef idx="0">
+            <a:schemeClr val="accent1"/>
+          </a:fillRef>
+          <a:effectRef idx="1">
+            <a:schemeClr val="accent1"/>
+          </a:effectRef>
+          <a:fontRef idx="minor">
+            <a:schemeClr val="tx1"/>
+          </a:fontRef>
+        </p:style>
+      </p:cxnSp>
     </p:spTree>
     <p:extLst>
       <p:ext uri="{BB962C8B-B14F-4D97-AF65-F5344CB8AC3E}">
